--- a/zOSMF-Install.pptx
+++ b/zOSMF-Install.pptx
@@ -41,6 +41,7 @@
     <p:sldId id="282" r:id="rId35"/>
     <p:sldId id="290" r:id="rId36"/>
     <p:sldId id="259" r:id="rId37"/>
+    <p:sldId id="291" r:id="rId38"/>
   </p:sldIdLst>
   <p:sldSz cx="12192000" cy="6858000"/>
   <p:notesSz cx="6845300" cy="9931400"/>
@@ -151,6 +152,7 @@
 <p1510:revInfo xmlns:a="http://schemas.openxmlformats.org/drawingml/2006/main" xmlns:r="http://schemas.openxmlformats.org/officeDocument/2006/relationships" xmlns:p1510="http://schemas.microsoft.com/office/powerpoint/2015/10/main">
   <p1510:revLst>
     <p1510:client id="{07E0C264-7956-4407-A7BA-4D6F8978234B}" v="13" dt="2020-05-19T18:53:19.314"/>
+    <p1510:client id="{15FDC6D9-6142-4DE0-8EFD-BA1AAFA99E9E}" v="259" dt="2020-09-09T14:16:02.235"/>
     <p1510:client id="{24024FA0-6935-4C85-A676-6A4152448A86}" v="1032" dt="2020-05-19T21:31:31.311"/>
     <p1510:client id="{2AAA34EB-453B-468C-9F66-8A42F249890D}" v="4" dt="2020-05-19T23:19:02.145"/>
     <p1510:client id="{4CAC47C8-7A15-43BC-A4FD-D5EF12CEB5C0}" v="218" dt="2020-05-19T01:16:57.373"/>
@@ -293,38 +295,6 @@
             <pc:docMk/>
             <pc:sldMk cId="1864521528" sldId="274"/>
             <ac:picMk id="3" creationId="{5744B694-477E-4EF3-B5D5-AB11F66BCF96}"/>
-          </ac:picMkLst>
-        </pc:picChg>
-      </pc:sldChg>
-    </pc:docChg>
-  </pc:docChgLst>
-  <pc:docChgLst>
-    <pc:chgData clId="Web-{5F8AD498-972A-4799-BECE-84995184B0D9}"/>
-    <pc:docChg chg="modSld">
-      <pc:chgData name="" userId="" providerId="" clId="Web-{5F8AD498-972A-4799-BECE-84995184B0D9}" dt="2020-05-21T20:17:38.282" v="3" actId="14100"/>
-      <pc:docMkLst>
-        <pc:docMk/>
-      </pc:docMkLst>
-      <pc:sldChg chg="addSp modSp">
-        <pc:chgData name="" userId="" providerId="" clId="Web-{5F8AD498-972A-4799-BECE-84995184B0D9}" dt="2020-05-21T20:17:38.282" v="3" actId="14100"/>
-        <pc:sldMkLst>
-          <pc:docMk/>
-          <pc:sldMk cId="3863670084" sldId="287"/>
-        </pc:sldMkLst>
-        <pc:picChg chg="add mod">
-          <ac:chgData name="" userId="" providerId="" clId="Web-{5F8AD498-972A-4799-BECE-84995184B0D9}" dt="2020-05-21T20:17:38.282" v="3" actId="14100"/>
-          <ac:picMkLst>
-            <pc:docMk/>
-            <pc:sldMk cId="3863670084" sldId="287"/>
-            <ac:picMk id="2" creationId="{8F2DF2E2-9FAB-45EA-B52A-1A8C8E31B7C3}"/>
-          </ac:picMkLst>
-        </pc:picChg>
-        <pc:picChg chg="mod">
-          <ac:chgData name="" userId="" providerId="" clId="Web-{5F8AD498-972A-4799-BECE-84995184B0D9}" dt="2020-05-21T20:17:34.673" v="2" actId="14100"/>
-          <ac:picMkLst>
-            <pc:docMk/>
-            <pc:sldMk cId="3863670084" sldId="287"/>
-            <ac:picMk id="4" creationId="{820A4FB5-A140-451B-9D30-77F52ED502B6}"/>
           </ac:picMkLst>
         </pc:picChg>
       </pc:sldChg>
@@ -797,6 +767,38 @@
             <pc:docMk/>
             <pc:sldMk cId="2845115879" sldId="282"/>
             <ac:picMk id="2" creationId="{14A4B415-5487-4B7D-AACB-E56554EB9CE2}"/>
+          </ac:picMkLst>
+        </pc:picChg>
+      </pc:sldChg>
+    </pc:docChg>
+  </pc:docChgLst>
+  <pc:docChgLst>
+    <pc:chgData clId="Web-{5F8AD498-972A-4799-BECE-84995184B0D9}"/>
+    <pc:docChg chg="modSld">
+      <pc:chgData name="" userId="" providerId="" clId="Web-{5F8AD498-972A-4799-BECE-84995184B0D9}" dt="2020-05-21T20:17:38.282" v="3" actId="14100"/>
+      <pc:docMkLst>
+        <pc:docMk/>
+      </pc:docMkLst>
+      <pc:sldChg chg="addSp modSp">
+        <pc:chgData name="" userId="" providerId="" clId="Web-{5F8AD498-972A-4799-BECE-84995184B0D9}" dt="2020-05-21T20:17:38.282" v="3" actId="14100"/>
+        <pc:sldMkLst>
+          <pc:docMk/>
+          <pc:sldMk cId="3863670084" sldId="287"/>
+        </pc:sldMkLst>
+        <pc:picChg chg="add mod">
+          <ac:chgData name="" userId="" providerId="" clId="Web-{5F8AD498-972A-4799-BECE-84995184B0D9}" dt="2020-05-21T20:17:38.282" v="3" actId="14100"/>
+          <ac:picMkLst>
+            <pc:docMk/>
+            <pc:sldMk cId="3863670084" sldId="287"/>
+            <ac:picMk id="2" creationId="{8F2DF2E2-9FAB-45EA-B52A-1A8C8E31B7C3}"/>
+          </ac:picMkLst>
+        </pc:picChg>
+        <pc:picChg chg="mod">
+          <ac:chgData name="" userId="" providerId="" clId="Web-{5F8AD498-972A-4799-BECE-84995184B0D9}" dt="2020-05-21T20:17:34.673" v="2" actId="14100"/>
+          <ac:picMkLst>
+            <pc:docMk/>
+            <pc:sldMk cId="3863670084" sldId="287"/>
+            <ac:picMk id="4" creationId="{820A4FB5-A140-451B-9D30-77F52ED502B6}"/>
           </ac:picMkLst>
         </pc:picChg>
       </pc:sldChg>
@@ -2038,6 +2040,114 @@
     </pc:docChg>
   </pc:docChgLst>
   <pc:docChgLst>
+    <pc:chgData clId="Web-{15FDC6D9-6142-4DE0-8EFD-BA1AAFA99E9E}"/>
+    <pc:docChg chg="addSld modSld sldOrd">
+      <pc:chgData name="" userId="" providerId="" clId="Web-{15FDC6D9-6142-4DE0-8EFD-BA1AAFA99E9E}" dt="2020-09-09T14:16:02.235" v="234"/>
+      <pc:docMkLst>
+        <pc:docMk/>
+      </pc:docMkLst>
+      <pc:sldChg chg="modSp">
+        <pc:chgData name="" userId="" providerId="" clId="Web-{15FDC6D9-6142-4DE0-8EFD-BA1AAFA99E9E}" dt="2020-09-09T12:16:15.443" v="195"/>
+        <pc:sldMkLst>
+          <pc:docMk/>
+          <pc:sldMk cId="2676545499" sldId="260"/>
+        </pc:sldMkLst>
+        <pc:graphicFrameChg chg="mod modGraphic">
+          <ac:chgData name="" userId="" providerId="" clId="Web-{15FDC6D9-6142-4DE0-8EFD-BA1AAFA99E9E}" dt="2020-09-09T12:16:15.443" v="195"/>
+          <ac:graphicFrameMkLst>
+            <pc:docMk/>
+            <pc:sldMk cId="2676545499" sldId="260"/>
+            <ac:graphicFrameMk id="4" creationId="{78167EFF-C0E0-4374-9F03-DD6A19E4FEE5}"/>
+          </ac:graphicFrameMkLst>
+        </pc:graphicFrameChg>
+      </pc:sldChg>
+      <pc:sldChg chg="modSp">
+        <pc:chgData name="" userId="" providerId="" clId="Web-{15FDC6D9-6142-4DE0-8EFD-BA1AAFA99E9E}" dt="2020-09-09T12:18:02.700" v="224" actId="20577"/>
+        <pc:sldMkLst>
+          <pc:docMk/>
+          <pc:sldMk cId="3318659564" sldId="270"/>
+        </pc:sldMkLst>
+        <pc:spChg chg="mod">
+          <ac:chgData name="" userId="" providerId="" clId="Web-{15FDC6D9-6142-4DE0-8EFD-BA1AAFA99E9E}" dt="2020-09-09T12:18:02.700" v="224" actId="20577"/>
+          <ac:spMkLst>
+            <pc:docMk/>
+            <pc:sldMk cId="3318659564" sldId="270"/>
+            <ac:spMk id="260" creationId="{00000000-0000-0000-0000-000000000000}"/>
+          </ac:spMkLst>
+        </pc:spChg>
+      </pc:sldChg>
+      <pc:sldChg chg="modSp">
+        <pc:chgData name="" userId="" providerId="" clId="Web-{15FDC6D9-6142-4DE0-8EFD-BA1AAFA99E9E}" dt="2020-09-09T12:16:28.147" v="207" actId="20577"/>
+        <pc:sldMkLst>
+          <pc:docMk/>
+          <pc:sldMk cId="3049711446" sldId="289"/>
+        </pc:sldMkLst>
+        <pc:spChg chg="mod">
+          <ac:chgData name="" userId="" providerId="" clId="Web-{15FDC6D9-6142-4DE0-8EFD-BA1AAFA99E9E}" dt="2020-09-09T12:16:28.147" v="207" actId="20577"/>
+          <ac:spMkLst>
+            <pc:docMk/>
+            <pc:sldMk cId="3049711446" sldId="289"/>
+            <ac:spMk id="8" creationId="{FD817715-FD8E-46A7-B647-553C08A0C4D9}"/>
+          </ac:spMkLst>
+        </pc:spChg>
+        <pc:graphicFrameChg chg="mod modGraphic">
+          <ac:chgData name="" userId="" providerId="" clId="Web-{15FDC6D9-6142-4DE0-8EFD-BA1AAFA99E9E}" dt="2020-09-09T12:11:45.533" v="5"/>
+          <ac:graphicFrameMkLst>
+            <pc:docMk/>
+            <pc:sldMk cId="3049711446" sldId="289"/>
+            <ac:graphicFrameMk id="6" creationId="{69777DB0-842B-4EB6-A776-8C6E25594992}"/>
+          </ac:graphicFrameMkLst>
+        </pc:graphicFrameChg>
+      </pc:sldChg>
+      <pc:sldChg chg="modSp">
+        <pc:chgData name="" userId="" providerId="" clId="Web-{15FDC6D9-6142-4DE0-8EFD-BA1AAFA99E9E}" dt="2020-09-09T13:00:57.431" v="227" actId="20577"/>
+        <pc:sldMkLst>
+          <pc:docMk/>
+          <pc:sldMk cId="1960603782" sldId="290"/>
+        </pc:sldMkLst>
+        <pc:spChg chg="mod">
+          <ac:chgData name="" userId="" providerId="" clId="Web-{15FDC6D9-6142-4DE0-8EFD-BA1AAFA99E9E}" dt="2020-09-09T13:00:57.431" v="227" actId="20577"/>
+          <ac:spMkLst>
+            <pc:docMk/>
+            <pc:sldMk cId="1960603782" sldId="290"/>
+            <ac:spMk id="260" creationId="{00000000-0000-0000-0000-000000000000}"/>
+          </ac:spMkLst>
+        </pc:spChg>
+      </pc:sldChg>
+      <pc:sldChg chg="delSp modSp add ord replId">
+        <pc:chgData name="" userId="" providerId="" clId="Web-{15FDC6D9-6142-4DE0-8EFD-BA1AAFA99E9E}" dt="2020-09-09T14:16:02.235" v="234"/>
+        <pc:sldMkLst>
+          <pc:docMk/>
+          <pc:sldMk cId="425678407" sldId="291"/>
+        </pc:sldMkLst>
+        <pc:spChg chg="mod">
+          <ac:chgData name="" userId="" providerId="" clId="Web-{15FDC6D9-6142-4DE0-8EFD-BA1AAFA99E9E}" dt="2020-09-09T14:15:51.781" v="233" actId="20577"/>
+          <ac:spMkLst>
+            <pc:docMk/>
+            <pc:sldMk cId="425678407" sldId="291"/>
+            <ac:spMk id="260" creationId="{00000000-0000-0000-0000-000000000000}"/>
+          </ac:spMkLst>
+        </pc:spChg>
+        <pc:picChg chg="del">
+          <ac:chgData name="" userId="" providerId="" clId="Web-{15FDC6D9-6142-4DE0-8EFD-BA1AAFA99E9E}" dt="2020-09-09T14:16:02.235" v="234"/>
+          <ac:picMkLst>
+            <pc:docMk/>
+            <pc:sldMk cId="425678407" sldId="291"/>
+            <ac:picMk id="3" creationId="{493B16DE-DAF8-4883-87A6-806A6065A71C}"/>
+          </ac:picMkLst>
+        </pc:picChg>
+        <pc:picChg chg="del">
+          <ac:chgData name="" userId="" providerId="" clId="Web-{15FDC6D9-6142-4DE0-8EFD-BA1AAFA99E9E}" dt="2020-09-09T14:15:46.905" v="229"/>
+          <ac:picMkLst>
+            <pc:docMk/>
+            <pc:sldMk cId="425678407" sldId="291"/>
+            <ac:picMk id="6" creationId="{13D44856-1218-4474-8381-C842C0BDB998}"/>
+          </ac:picMkLst>
+        </pc:picChg>
+      </pc:sldChg>
+    </pc:docChg>
+  </pc:docChgLst>
+  <pc:docChgLst>
     <pc:chgData clId="Web-{2AAA34EB-453B-468C-9F66-8A42F249890D}"/>
     <pc:docChg chg="modSld sldOrd">
       <pc:chgData name="" userId="" providerId="" clId="Web-{2AAA34EB-453B-468C-9F66-8A42F249890D}" dt="2020-05-19T23:19:02.145" v="3" actId="1076"/>
@@ -3178,7 +3288,7 @@
         </a:bodyPr>
         <a:lstStyle/>
         <a:p>
-          <a:pPr marL="0" lvl="0" indent="0" algn="l" defTabSz="1511300" rtl="0">
+          <a:pPr marL="0" lvl="0" indent="0" algn="l" defTabSz="1466850" rtl="0">
             <a:lnSpc>
               <a:spcPct val="90000"/>
             </a:lnSpc>
@@ -3191,12 +3301,12 @@
             <a:buNone/>
           </a:pPr>
           <a:r>
-            <a:rPr lang="en-US" sz="3400" kern="1200" dirty="0">
+            <a:rPr lang="en-US" sz="3300" kern="1200" dirty="0">
               <a:latin typeface="Arial"/>
             </a:rPr>
             <a:t>z/OS 2.2</a:t>
           </a:r>
-          <a:endParaRPr lang="en-US" sz="3400" kern="1200" dirty="0"/>
+          <a:endParaRPr lang="en-US" sz="3300" kern="1200" dirty="0"/>
         </a:p>
       </dsp:txBody>
       <dsp:txXfrm>
@@ -3296,7 +3406,7 @@
         </a:bodyPr>
         <a:lstStyle/>
         <a:p>
-          <a:pPr marL="0" lvl="0" indent="0" algn="l" defTabSz="1511300" rtl="0">
+          <a:pPr marL="0" lvl="0" indent="0" algn="l" defTabSz="1466850" rtl="0">
             <a:lnSpc>
               <a:spcPct val="90000"/>
             </a:lnSpc>
@@ -3309,12 +3419,12 @@
             <a:buNone/>
           </a:pPr>
           <a:r>
-            <a:rPr lang="en-US" sz="3400" kern="1200" dirty="0">
+            <a:rPr lang="en-US" sz="3300" kern="1200" dirty="0">
               <a:latin typeface="Arial"/>
             </a:rPr>
             <a:t>z/OS 2.3</a:t>
           </a:r>
-          <a:endParaRPr lang="en-US" sz="3400" kern="1200" dirty="0"/>
+          <a:endParaRPr lang="en-US" sz="3300" kern="1200" dirty="0"/>
         </a:p>
       </dsp:txBody>
       <dsp:txXfrm>
@@ -3414,7 +3524,7 @@
         </a:bodyPr>
         <a:lstStyle/>
         <a:p>
-          <a:pPr marL="0" lvl="0" indent="0" algn="l" defTabSz="1511300" rtl="0">
+          <a:pPr marL="0" lvl="0" indent="0" algn="l" defTabSz="1466850" rtl="0">
             <a:lnSpc>
               <a:spcPct val="90000"/>
             </a:lnSpc>
@@ -3427,12 +3537,12 @@
             <a:buNone/>
           </a:pPr>
           <a:r>
-            <a:rPr lang="en-US" sz="3400" kern="1200" dirty="0">
+            <a:rPr lang="en-US" sz="3300" kern="1200" dirty="0">
               <a:latin typeface="Arial"/>
             </a:rPr>
             <a:t>z/OS 2.4</a:t>
           </a:r>
-          <a:endParaRPr lang="en-US" sz="3400" kern="1200" dirty="0"/>
+          <a:endParaRPr lang="en-US" sz="3300" kern="1200" dirty="0"/>
         </a:p>
       </dsp:txBody>
       <dsp:txXfrm>
@@ -25767,17 +25877,9 @@
                 <a:ea typeface="+mn-lt"/>
                 <a:cs typeface="+mn-lt"/>
               </a:rPr>
-              <a:t>IZUANG1 – Required z/OSMF Component that is …. connector?</a:t>
+              <a:t>IZUANG1 – Required z/OSMF Component that interfaces with SAF.</a:t>
             </a:r>
-            <a:endParaRPr lang="en-US" dirty="0"/>
-          </a:p>
-          <a:p>
-            <a:endParaRPr lang="en-US" spc="-1" dirty="0">
-              <a:uFill>
-                <a:solidFill>
-                  <a:srgbClr val="FFFFFF"/>
-                </a:solidFill>
-              </a:uFill>
+            <a:endParaRPr lang="en-US" dirty="0">
               <a:ea typeface="+mn-lt"/>
               <a:cs typeface="+mn-lt"/>
             </a:endParaRPr>
@@ -32676,7 +32778,7 @@
           <p:nvPr>
             <p:extLst>
               <p:ext uri="{D42A27DB-BD31-4B8C-83A1-F6EECF244321}">
-                <p14:modId xmlns:p14="http://schemas.microsoft.com/office/powerpoint/2010/main" val="1551238589"/>
+                <p14:modId xmlns:p14="http://schemas.microsoft.com/office/powerpoint/2010/main" val="2381232910"/>
               </p:ext>
             </p:extLst>
           </p:nvPr>
@@ -33149,7 +33251,7 @@
         <p:spPr>
           <a:xfrm>
             <a:off x="241487" y="4428004"/>
-            <a:ext cx="11672047" cy="2585323"/>
+            <a:ext cx="11672047" cy="2031325"/>
           </a:xfrm>
           <a:prstGeom prst="rect">
             <a:avLst/>
@@ -33177,23 +33279,6 @@
             <a:r>
               <a:rPr lang="en-US" dirty="0"/>
               <a:t>* I have used the ZOSMFDEL job on my system in order to remove everything and create this documentation.</a:t>
-            </a:r>
-          </a:p>
-          <a:p>
-            <a:endParaRPr lang="en-US" dirty="0"/>
-          </a:p>
-          <a:p>
-            <a:r>
-              <a:rPr lang="en-US" dirty="0"/>
-              <a:t>* ZOSMFUSS can be used after the setup to fix permissions for the /global/</a:t>
-            </a:r>
-            <a:r>
-              <a:rPr lang="en-US" dirty="0" err="1"/>
-              <a:t>zosmf</a:t>
-            </a:r>
-            <a:r>
-              <a:rPr lang="en-US" dirty="0"/>
-              <a:t> filesystem</a:t>
             </a:r>
           </a:p>
           <a:p>
@@ -33525,11 +33610,13 @@
                 </a:uFill>
                 <a:ea typeface="+mn-lt"/>
                 <a:cs typeface="+mn-lt"/>
-                <a:hlinkClick r:id="rId2"/>
               </a:rPr>
-              <a:t>https://github.ibm.com/Mainframe-Services/zOSMF-Install-Workshop</a:t>
+              <a:t>https://github.com/Iniciativaz/zosmf-install-jobs/</a:t>
             </a:r>
-            <a:endParaRPr lang="en-US"/>
+            <a:endParaRPr lang="en-US" dirty="0">
+              <a:ea typeface="+mn-lt"/>
+              <a:cs typeface="+mn-lt"/>
+            </a:endParaRPr>
           </a:p>
           <a:p>
             <a:r>
@@ -33593,7 +33680,7 @@
               <a:t>2. Clone our repository using </a:t>
             </a:r>
             <a:r>
-              <a:rPr lang="en-US" spc="-1" dirty="0" err="1">
+              <a:rPr lang="en-US" spc="-1" err="1">
                 <a:solidFill>
                   <a:srgbClr val="000000"/>
                 </a:solidFill>
@@ -33769,7 +33856,7 @@
           <p:nvPr/>
         </p:nvPicPr>
         <p:blipFill>
-          <a:blip r:embed="rId3"/>
+          <a:blip r:embed="rId2"/>
           <a:stretch>
             <a:fillRect/>
           </a:stretch>
@@ -33799,7 +33886,7 @@
           <p:nvPr/>
         </p:nvPicPr>
         <p:blipFill>
-          <a:blip r:embed="rId4"/>
+          <a:blip r:embed="rId3"/>
           <a:stretch>
             <a:fillRect/>
           </a:stretch>
@@ -34046,6 +34133,565 @@
         </p:txBody>
       </p:sp>
     </p:spTree>
+  </p:cSld>
+  <p:clrMapOvr>
+    <a:masterClrMapping/>
+  </p:clrMapOvr>
+  <p:timing>
+    <p:tnLst>
+      <p:par>
+        <p:cTn id="1" dur="indefinite" restart="never" nodeType="tmRoot">
+          <p:childTnLst>
+            <p:seq>
+              <p:cTn id="2" nodeType="mainSeq"/>
+              <p:prevCondLst>
+                <p:cond evt="onPrev" delay="0">
+                  <p:tgtEl>
+                    <p:sldTgt/>
+                  </p:tgtEl>
+                </p:cond>
+              </p:prevCondLst>
+              <p:nextCondLst>
+                <p:cond evt="onNext" delay="0">
+                  <p:tgtEl>
+                    <p:sldTgt/>
+                  </p:tgtEl>
+                </p:cond>
+              </p:nextCondLst>
+            </p:seq>
+          </p:childTnLst>
+        </p:cTn>
+      </p:par>
+    </p:tnLst>
+  </p:timing>
+</p:sld>
+</file>
+
+<file path=ppt/slides/slide32.xml><?xml version="1.0" encoding="utf-8"?>
+<p:sld xmlns:a="http://schemas.openxmlformats.org/drawingml/2006/main" xmlns:r="http://schemas.openxmlformats.org/officeDocument/2006/relationships" xmlns:p="http://schemas.openxmlformats.org/presentationml/2006/main">
+  <p:cSld>
+    <p:spTree>
+      <p:nvGrpSpPr>
+        <p:cNvPr id="1" name=""/>
+        <p:cNvGrpSpPr/>
+        <p:nvPr/>
+      </p:nvGrpSpPr>
+      <p:grpSpPr>
+        <a:xfrm>
+          <a:off x="0" y="0"/>
+          <a:ext cx="0" cy="0"/>
+          <a:chOff x="0" y="0"/>
+          <a:chExt cx="0" cy="0"/>
+        </a:xfrm>
+      </p:grpSpPr>
+      <p:sp>
+        <p:nvSpPr>
+          <p:cNvPr id="257" name="CustomShape 1"/>
+          <p:cNvSpPr/>
+          <p:nvPr/>
+        </p:nvSpPr>
+        <p:spPr>
+          <a:xfrm>
+            <a:off x="243360" y="6638400"/>
+            <a:ext cx="488160" cy="183600"/>
+          </a:xfrm>
+          <a:prstGeom prst="rect">
+            <a:avLst/>
+          </a:prstGeom>
+          <a:noFill/>
+          <a:ln>
+            <a:noFill/>
+          </a:ln>
+        </p:spPr>
+        <p:style>
+          <a:lnRef idx="0">
+            <a:scrgbClr r="0" g="0" b="0"/>
+          </a:lnRef>
+          <a:fillRef idx="0">
+            <a:scrgbClr r="0" g="0" b="0"/>
+          </a:fillRef>
+          <a:effectRef idx="0">
+            <a:scrgbClr r="0" g="0" b="0"/>
+          </a:effectRef>
+          <a:fontRef idx="minor"/>
+        </p:style>
+      </p:sp>
+      <p:sp>
+        <p:nvSpPr>
+          <p:cNvPr id="258" name="CustomShape 2"/>
+          <p:cNvSpPr/>
+          <p:nvPr/>
+        </p:nvSpPr>
+        <p:spPr>
+          <a:xfrm>
+            <a:off x="292680" y="484560"/>
+            <a:ext cx="11740320" cy="866880"/>
+          </a:xfrm>
+          <a:prstGeom prst="rect">
+            <a:avLst/>
+          </a:prstGeom>
+          <a:noFill/>
+          <a:ln>
+            <a:noFill/>
+          </a:ln>
+        </p:spPr>
+        <p:style>
+          <a:lnRef idx="0">
+            <a:scrgbClr r="0" g="0" b="0"/>
+          </a:lnRef>
+          <a:fillRef idx="0">
+            <a:scrgbClr r="0" g="0" b="0"/>
+          </a:fillRef>
+          <a:effectRef idx="0">
+            <a:scrgbClr r="0" g="0" b="0"/>
+          </a:effectRef>
+          <a:fontRef idx="minor"/>
+        </p:style>
+        <p:txBody>
+          <a:bodyPr lIns="90000" tIns="45000" rIns="90000" bIns="45000" anchor="t"/>
+          <a:lstStyle/>
+          <a:p>
+            <a:r>
+              <a:rPr lang="en-US" sz="5000" b="1" strike="noStrike" spc="-1" dirty="0">
+                <a:solidFill>
+                  <a:srgbClr val="2C73B3"/>
+                </a:solidFill>
+                <a:uFill>
+                  <a:solidFill>
+                    <a:srgbClr val="FFFFFF"/>
+                  </a:solidFill>
+                </a:uFill>
+                <a:latin typeface="Arial"/>
+              </a:rPr>
+              <a:t>z/OSMF </a:t>
+            </a:r>
+            <a:r>
+              <a:rPr lang="en-US" sz="5000" b="1" spc="-1" dirty="0">
+                <a:solidFill>
+                  <a:srgbClr val="2C73B3"/>
+                </a:solidFill>
+                <a:uFill>
+                  <a:solidFill>
+                    <a:srgbClr val="FFFFFF"/>
+                  </a:solidFill>
+                </a:uFill>
+                <a:latin typeface="Arial"/>
+              </a:rPr>
+              <a:t>- How to download the source</a:t>
+            </a:r>
+            <a:endParaRPr lang="en-US" sz="5000" b="1" strike="noStrike" spc="-1" dirty="0">
+              <a:solidFill>
+                <a:srgbClr val="2C73B3"/>
+              </a:solidFill>
+              <a:uFill>
+                <a:solidFill>
+                  <a:srgbClr val="FFFFFF"/>
+                </a:solidFill>
+              </a:uFill>
+              <a:latin typeface="Arial"/>
+            </a:endParaRPr>
+          </a:p>
+        </p:txBody>
+      </p:sp>
+      <p:sp>
+        <p:nvSpPr>
+          <p:cNvPr id="259" name="CustomShape 3"/>
+          <p:cNvSpPr/>
+          <p:nvPr/>
+        </p:nvSpPr>
+        <p:spPr>
+          <a:xfrm>
+            <a:off x="243360" y="6638400"/>
+            <a:ext cx="488160" cy="183600"/>
+          </a:xfrm>
+          <a:prstGeom prst="rect">
+            <a:avLst/>
+          </a:prstGeom>
+          <a:noFill/>
+          <a:ln>
+            <a:noFill/>
+          </a:ln>
+        </p:spPr>
+        <p:style>
+          <a:lnRef idx="0">
+            <a:scrgbClr r="0" g="0" b="0"/>
+          </a:lnRef>
+          <a:fillRef idx="0">
+            <a:scrgbClr r="0" g="0" b="0"/>
+          </a:fillRef>
+          <a:effectRef idx="0">
+            <a:scrgbClr r="0" g="0" b="0"/>
+          </a:effectRef>
+          <a:fontRef idx="minor"/>
+        </p:style>
+        <p:txBody>
+          <a:bodyPr lIns="0" tIns="0" rIns="92160" bIns="0"/>
+          <a:lstStyle/>
+          <a:p>
+            <a:pPr>
+              <a:lnSpc>
+                <a:spcPct val="100000"/>
+              </a:lnSpc>
+            </a:pPr>
+            <a:fld id="{BC2C9E46-BA9D-4A3C-B878-1D06D277ED19}" type="slidenum">
+              <a:rPr lang="en-US" sz="900" b="0" strike="noStrike" spc="-1">
+                <a:solidFill>
+                  <a:srgbClr val="3B3838"/>
+                </a:solidFill>
+                <a:uFill>
+                  <a:solidFill>
+                    <a:srgbClr val="FFFFFF"/>
+                  </a:solidFill>
+                </a:uFill>
+                <a:latin typeface="Arial"/>
+                <a:ea typeface="DejaVu Sans"/>
+              </a:rPr>
+              <a:t>32</a:t>
+            </a:fld>
+            <a:endParaRPr lang="en-US" sz="900" b="0" strike="noStrike" spc="-1">
+              <a:solidFill>
+                <a:srgbClr val="000000"/>
+              </a:solidFill>
+              <a:uFill>
+                <a:solidFill>
+                  <a:srgbClr val="FFFFFF"/>
+                </a:solidFill>
+              </a:uFill>
+              <a:latin typeface="Arial"/>
+            </a:endParaRPr>
+          </a:p>
+        </p:txBody>
+      </p:sp>
+      <p:sp>
+        <p:nvSpPr>
+          <p:cNvPr id="260" name="TextShape 4"/>
+          <p:cNvSpPr txBox="1"/>
+          <p:nvPr/>
+        </p:nvSpPr>
+        <p:spPr>
+          <a:xfrm>
+            <a:off x="365760" y="1426335"/>
+            <a:ext cx="11612880" cy="596520"/>
+          </a:xfrm>
+          <a:prstGeom prst="rect">
+            <a:avLst/>
+          </a:prstGeom>
+          <a:noFill/>
+          <a:ln>
+            <a:noFill/>
+          </a:ln>
+        </p:spPr>
+        <p:txBody>
+          <a:bodyPr lIns="90000" tIns="45000" rIns="90000" bIns="45000" anchor="t"/>
+          <a:lstStyle/>
+          <a:p>
+            <a:r>
+              <a:rPr lang="en-US" spc="-1" dirty="0">
+                <a:solidFill>
+                  <a:srgbClr val="000000"/>
+                </a:solidFill>
+                <a:uFill>
+                  <a:solidFill>
+                    <a:srgbClr val="FFFFFF"/>
+                  </a:solidFill>
+                </a:uFill>
+                <a:ea typeface="+mn-lt"/>
+                <a:cs typeface="+mn-lt"/>
+              </a:rPr>
+              <a:t>Here are the methods you can use to download these jobs : </a:t>
+            </a:r>
+          </a:p>
+          <a:p>
+            <a:endParaRPr lang="en-US" spc="-1" dirty="0">
+              <a:solidFill>
+                <a:srgbClr val="000000"/>
+              </a:solidFill>
+              <a:uFill>
+                <a:solidFill>
+                  <a:srgbClr val="FFFFFF"/>
+                </a:solidFill>
+              </a:uFill>
+              <a:ea typeface="+mn-lt"/>
+              <a:cs typeface="+mn-lt"/>
+            </a:endParaRPr>
+          </a:p>
+          <a:p>
+            <a:r>
+              <a:rPr lang="en-US" spc="-1" dirty="0">
+                <a:solidFill>
+                  <a:srgbClr val="000000"/>
+                </a:solidFill>
+                <a:uFill>
+                  <a:solidFill>
+                    <a:srgbClr val="FFFFFF"/>
+                  </a:solidFill>
+                </a:uFill>
+                <a:ea typeface="+mn-lt"/>
+                <a:cs typeface="+mn-lt"/>
+              </a:rPr>
+              <a:t>1. Download them directly from our repository :</a:t>
+            </a:r>
+          </a:p>
+          <a:p>
+            <a:r>
+              <a:rPr lang="en-US" spc="-1" dirty="0">
+                <a:uFill>
+                  <a:solidFill>
+                    <a:srgbClr val="FFFFFF"/>
+                  </a:solidFill>
+                </a:uFill>
+                <a:ea typeface="+mn-lt"/>
+                <a:cs typeface="+mn-lt"/>
+                <a:hlinkClick r:id="rId2"/>
+              </a:rPr>
+              <a:t>https://github.ibm.com/Mainframe-Services/zOSMF-Install-Workshop</a:t>
+            </a:r>
+            <a:endParaRPr lang="en-US"/>
+          </a:p>
+          <a:p>
+            <a:r>
+              <a:rPr lang="en-US" spc="-1" dirty="0">
+                <a:solidFill>
+                  <a:srgbClr val="000000"/>
+                </a:solidFill>
+                <a:uFill>
+                  <a:solidFill>
+                    <a:srgbClr val="FFFFFF"/>
+                  </a:solidFill>
+                </a:uFill>
+                <a:ea typeface="+mn-lt"/>
+                <a:cs typeface="+mn-lt"/>
+              </a:rPr>
+              <a:t>Select Download ZIP .</a:t>
+            </a:r>
+          </a:p>
+          <a:p>
+            <a:endParaRPr lang="en-US" spc="-1" dirty="0">
+              <a:solidFill>
+                <a:srgbClr val="000000"/>
+              </a:solidFill>
+              <a:uFill>
+                <a:solidFill>
+                  <a:srgbClr val="FFFFFF"/>
+                </a:solidFill>
+              </a:uFill>
+              <a:ea typeface="+mn-lt"/>
+              <a:cs typeface="+mn-lt"/>
+            </a:endParaRPr>
+          </a:p>
+          <a:p>
+            <a:endParaRPr lang="en-US" spc="-1" dirty="0">
+              <a:solidFill>
+                <a:srgbClr val="000000"/>
+              </a:solidFill>
+              <a:uFill>
+                <a:solidFill>
+                  <a:srgbClr val="FFFFFF"/>
+                </a:solidFill>
+              </a:uFill>
+              <a:ea typeface="+mn-lt"/>
+              <a:cs typeface="+mn-lt"/>
+            </a:endParaRPr>
+          </a:p>
+          <a:p>
+            <a:r>
+              <a:rPr lang="en-US" spc="-1" dirty="0">
+                <a:solidFill>
+                  <a:srgbClr val="000000"/>
+                </a:solidFill>
+                <a:uFill>
+                  <a:solidFill>
+                    <a:srgbClr val="FFFFFF"/>
+                  </a:solidFill>
+                </a:uFill>
+                <a:ea typeface="+mn-lt"/>
+                <a:cs typeface="+mn-lt"/>
+              </a:rPr>
+              <a:t>2. Clone our repository using </a:t>
+            </a:r>
+            <a:r>
+              <a:rPr lang="en-US" spc="-1" err="1">
+                <a:solidFill>
+                  <a:srgbClr val="000000"/>
+                </a:solidFill>
+                <a:uFill>
+                  <a:solidFill>
+                    <a:srgbClr val="FFFFFF"/>
+                  </a:solidFill>
+                </a:uFill>
+                <a:ea typeface="+mn-lt"/>
+                <a:cs typeface="+mn-lt"/>
+              </a:rPr>
+              <a:t>github</a:t>
+            </a:r>
+            <a:r>
+              <a:rPr lang="en-US" spc="-1" dirty="0">
+                <a:solidFill>
+                  <a:srgbClr val="000000"/>
+                </a:solidFill>
+                <a:uFill>
+                  <a:solidFill>
+                    <a:srgbClr val="FFFFFF"/>
+                  </a:solidFill>
+                </a:uFill>
+                <a:ea typeface="+mn-lt"/>
+                <a:cs typeface="+mn-lt"/>
+              </a:rPr>
+              <a:t> (c'mon, it is easy enough): </a:t>
+            </a:r>
+          </a:p>
+          <a:p>
+            <a:r>
+              <a:rPr lang="en-US" spc="-1">
+                <a:uFill>
+                  <a:solidFill>
+                    <a:srgbClr val="FFFFFF"/>
+                  </a:solidFill>
+                </a:uFill>
+                <a:ea typeface="+mn-lt"/>
+                <a:cs typeface="+mn-lt"/>
+              </a:rPr>
+              <a:t>git clone git@github.com:Iniciativaz/zosmf-install-jobs.git</a:t>
+            </a:r>
+            <a:endParaRPr lang="en-US"/>
+          </a:p>
+          <a:p>
+            <a:endParaRPr lang="en-US" spc="-1" dirty="0">
+              <a:solidFill>
+                <a:srgbClr val="000000"/>
+              </a:solidFill>
+              <a:uFill>
+                <a:solidFill>
+                  <a:srgbClr val="FFFFFF"/>
+                </a:solidFill>
+              </a:uFill>
+              <a:ea typeface="+mn-lt"/>
+              <a:cs typeface="+mn-lt"/>
+            </a:endParaRPr>
+          </a:p>
+          <a:p>
+            <a:endParaRPr lang="en-US" spc="-1" dirty="0">
+              <a:solidFill>
+                <a:srgbClr val="000000"/>
+              </a:solidFill>
+              <a:uFill>
+                <a:solidFill>
+                  <a:srgbClr val="FFFFFF"/>
+                </a:solidFill>
+              </a:uFill>
+              <a:ea typeface="+mn-lt"/>
+              <a:cs typeface="+mn-lt"/>
+            </a:endParaRPr>
+          </a:p>
+          <a:p>
+            <a:endParaRPr lang="en-US" spc="-1" dirty="0">
+              <a:solidFill>
+                <a:srgbClr val="000000"/>
+              </a:solidFill>
+              <a:uFill>
+                <a:solidFill>
+                  <a:srgbClr val="FFFFFF"/>
+                </a:solidFill>
+              </a:uFill>
+              <a:ea typeface="+mn-lt"/>
+              <a:cs typeface="+mn-lt"/>
+            </a:endParaRPr>
+          </a:p>
+          <a:p>
+            <a:endParaRPr lang="en-US" spc="-1" dirty="0">
+              <a:solidFill>
+                <a:srgbClr val="000000"/>
+              </a:solidFill>
+              <a:uFill>
+                <a:solidFill>
+                  <a:srgbClr val="FFFFFF"/>
+                </a:solidFill>
+              </a:uFill>
+              <a:ea typeface="+mn-lt"/>
+              <a:cs typeface="+mn-lt"/>
+            </a:endParaRPr>
+          </a:p>
+          <a:p>
+            <a:endParaRPr lang="en-US" spc="-1" dirty="0">
+              <a:solidFill>
+                <a:srgbClr val="000000"/>
+              </a:solidFill>
+              <a:uFill>
+                <a:solidFill>
+                  <a:srgbClr val="FFFFFF"/>
+                </a:solidFill>
+              </a:uFill>
+              <a:ea typeface="+mn-lt"/>
+              <a:cs typeface="+mn-lt"/>
+            </a:endParaRPr>
+          </a:p>
+          <a:p>
+            <a:pPr lvl="1"/>
+            <a:endParaRPr lang="en-US" spc="-1" dirty="0">
+              <a:solidFill>
+                <a:srgbClr val="77933C"/>
+              </a:solidFill>
+              <a:uFill>
+                <a:solidFill>
+                  <a:srgbClr val="FFFFFF"/>
+                </a:solidFill>
+              </a:uFill>
+              <a:ea typeface="+mn-lt"/>
+              <a:cs typeface="+mn-lt"/>
+            </a:endParaRPr>
+          </a:p>
+          <a:p>
+            <a:pPr lvl="1"/>
+            <a:endParaRPr lang="en-US" spc="-1" dirty="0">
+              <a:solidFill>
+                <a:srgbClr val="77933C"/>
+              </a:solidFill>
+              <a:uFill>
+                <a:solidFill>
+                  <a:srgbClr val="FFFFFF"/>
+                </a:solidFill>
+              </a:uFill>
+              <a:ea typeface="+mn-lt"/>
+              <a:cs typeface="+mn-lt"/>
+            </a:endParaRPr>
+          </a:p>
+          <a:p>
+            <a:pPr lvl="1"/>
+            <a:endParaRPr lang="en-US" spc="-1" dirty="0">
+              <a:solidFill>
+                <a:srgbClr val="77933C"/>
+              </a:solidFill>
+              <a:uFill>
+                <a:solidFill>
+                  <a:srgbClr val="FFFFFF"/>
+                </a:solidFill>
+              </a:uFill>
+              <a:ea typeface="+mn-lt"/>
+              <a:cs typeface="+mn-lt"/>
+            </a:endParaRPr>
+          </a:p>
+          <a:p>
+            <a:endParaRPr lang="en-US" spc="-1" dirty="0">
+              <a:solidFill>
+                <a:srgbClr val="000000"/>
+              </a:solidFill>
+              <a:uFill>
+                <a:solidFill>
+                  <a:srgbClr val="FFFFFF"/>
+                </a:solidFill>
+              </a:uFill>
+              <a:ea typeface="+mn-lt"/>
+              <a:cs typeface="+mn-lt"/>
+            </a:endParaRPr>
+          </a:p>
+        </p:txBody>
+      </p:sp>
+    </p:spTree>
+    <p:extLst>
+      <p:ext uri="{BB962C8B-B14F-4D97-AF65-F5344CB8AC3E}">
+        <p14:creationId xmlns:p14="http://schemas.microsoft.com/office/powerpoint/2010/main" val="425678407"/>
+      </p:ext>
+    </p:extLst>
   </p:cSld>
   <p:clrMapOvr>
     <a:masterClrMapping/>
@@ -36168,14 +36814,14 @@
           <p:nvPr>
             <p:extLst>
               <p:ext uri="{D42A27DB-BD31-4B8C-83A1-F6EECF244321}">
-                <p14:modId xmlns:p14="http://schemas.microsoft.com/office/powerpoint/2010/main" val="3329385423"/>
+                <p14:modId xmlns:p14="http://schemas.microsoft.com/office/powerpoint/2010/main" val="1393521932"/>
               </p:ext>
             </p:extLst>
           </p:nvPr>
         </p:nvGraphicFramePr>
         <p:xfrm>
           <a:off x="349624" y="1729292"/>
-          <a:ext cx="11653721" cy="2560320"/>
+          <a:ext cx="11653721" cy="3291840"/>
         </p:xfrm>
         <a:graphic>
           <a:graphicData uri="http://schemas.openxmlformats.org/drawingml/2006/table">
@@ -36214,7 +36860,7 @@
                     <a:p>
                       <a:pPr algn="l"/>
                       <a:r>
-                        <a:rPr lang="en-US"/>
+                        <a:rPr lang="en-US" dirty="0" err="1"/>
                         <a:t>JobName</a:t>
                       </a:r>
                     </a:p>
@@ -36228,7 +36874,7 @@
                     <a:p>
                       <a:pPr algn="l"/>
                       <a:r>
-                        <a:rPr lang="en-US"/>
+                        <a:rPr lang="en-US" dirty="0"/>
                         <a:t>Origin</a:t>
                       </a:r>
                     </a:p>
@@ -36242,7 +36888,7 @@
                     <a:p>
                       <a:pPr algn="l"/>
                       <a:r>
-                        <a:rPr lang="en-US"/>
+                        <a:rPr lang="en-US" dirty="0"/>
                         <a:t>Function</a:t>
                       </a:r>
                     </a:p>
@@ -36263,7 +36909,7 @@
                     <a:p>
                       <a:pPr algn="l"/>
                       <a:r>
-                        <a:rPr lang="en-US">
+                        <a:rPr lang="en-US" dirty="0">
                           <a:highlight>
                             <a:srgbClr val="00FF00"/>
                           </a:highlight>
@@ -36281,7 +36927,7 @@
                     <a:p>
                       <a:pPr algn="l"/>
                       <a:r>
-                        <a:rPr lang="en-US">
+                        <a:rPr lang="en-US" dirty="0">
                           <a:highlight>
                             <a:srgbClr val="00FF00"/>
                           </a:highlight>
@@ -36324,7 +36970,7 @@
                     <a:p>
                       <a:pPr algn="l"/>
                       <a:r>
-                        <a:rPr lang="en-US"/>
+                        <a:rPr lang="en-US" dirty="0"/>
                         <a:t>ZOSMF021</a:t>
                       </a:r>
                     </a:p>
@@ -36338,7 +36984,7 @@
                     <a:p>
                       <a:pPr algn="l"/>
                       <a:r>
-                        <a:rPr lang="en-US"/>
+                        <a:rPr lang="en-US" dirty="0"/>
                         <a:t>Copied from SYS1.SAMPLIB(IZUSPSEC)</a:t>
                       </a:r>
                     </a:p>
@@ -36395,7 +37041,7 @@
                     <a:p>
                       <a:pPr algn="l"/>
                       <a:r>
-                        <a:rPr lang="en-US">
+                        <a:rPr lang="en-US" dirty="0">
                           <a:highlight>
                             <a:srgbClr val="00FF00"/>
                           </a:highlight>
@@ -36413,7 +37059,7 @@
                     <a:p>
                       <a:pPr algn="l"/>
                       <a:r>
-                        <a:rPr lang="en-US">
+                        <a:rPr lang="en-US" dirty="0">
                           <a:highlight>
                             <a:srgbClr val="00FF00"/>
                           </a:highlight>
@@ -36456,7 +37102,7 @@
                     <a:p>
                       <a:pPr algn="l"/>
                       <a:r>
-                        <a:rPr lang="en-US">
+                        <a:rPr lang="en-US" dirty="0">
                           <a:highlight>
                             <a:srgbClr val="00FF00"/>
                           </a:highlight>
@@ -36513,7 +37159,7 @@
                     <a:p>
                       <a:pPr algn="l"/>
                       <a:r>
-                        <a:rPr lang="en-US"/>
+                        <a:rPr lang="en-US" dirty="0"/>
                         <a:t>Copied from SYS1.SAMPLIB(IZUWFSEC)</a:t>
                       </a:r>
                     </a:p>
@@ -36562,7 +37208,7 @@
                     <a:p>
                       <a:pPr algn="l"/>
                       <a:r>
-                        <a:rPr lang="en-US"/>
+                        <a:rPr lang="en-US" dirty="0"/>
                         <a:t>Copied from SYS1.SAMPLIB(IZUWMSEC)</a:t>
                       </a:r>
                     </a:p>
@@ -36586,6 +37232,126 @@
                 <a:extLst>
                   <a:ext uri="{0D108BD9-81ED-4DB2-BD59-A6C34878D82A}">
                     <a16:rowId xmlns:a16="http://schemas.microsoft.com/office/drawing/2014/main" val="1160297185"/>
+                  </a:ext>
+                </a:extLst>
+              </a:tr>
+              <a:tr h="161925">
+                <a:tc>
+                  <a:txBody>
+                    <a:bodyPr/>
+                    <a:lstStyle/>
+                    <a:p>
+                      <a:pPr lvl="0" algn="l">
+                        <a:buNone/>
+                      </a:pPr>
+                      <a:r>
+                        <a:rPr lang="en-US" dirty="0"/>
+                        <a:t>ZOSMF026</a:t>
+                      </a:r>
+                    </a:p>
+                  </a:txBody>
+                  <a:tcPr anchor="ctr"/>
+                </a:tc>
+                <a:tc>
+                  <a:txBody>
+                    <a:bodyPr/>
+                    <a:lstStyle/>
+                    <a:p>
+                      <a:pPr lvl="0" algn="l">
+                        <a:buNone/>
+                      </a:pPr>
+                      <a:r>
+                        <a:rPr lang="en-US" dirty="0"/>
+                        <a:t>Copied from SYS1.SAMPLIB(</a:t>
+                      </a:r>
+                      <a:r>
+                        <a:rPr lang="en-US" sz="1800" b="0" i="0" u="none" strike="noStrike" noProof="0" dirty="0">
+                          <a:latin typeface="Arial"/>
+                        </a:rPr>
+                        <a:t>IZUSKSEC)</a:t>
+                      </a:r>
+                      <a:endParaRPr lang="en-US" dirty="0"/>
+                    </a:p>
+                  </a:txBody>
+                  <a:tcPr anchor="ctr"/>
+                </a:tc>
+                <a:tc>
+                  <a:txBody>
+                    <a:bodyPr/>
+                    <a:lstStyle/>
+                    <a:p>
+                      <a:pPr lvl="0" algn="l">
+                        <a:buNone/>
+                      </a:pPr>
+                      <a:r>
+                        <a:rPr lang="en-US" dirty="0"/>
+                        <a:t>Setup Shared Keyring</a:t>
+                      </a:r>
+                    </a:p>
+                  </a:txBody>
+                  <a:tcPr anchor="ctr"/>
+                </a:tc>
+                <a:extLst>
+                  <a:ext uri="{0D108BD9-81ED-4DB2-BD59-A6C34878D82A}">
+                    <a16:rowId xmlns:a16="http://schemas.microsoft.com/office/drawing/2014/main" val="2598204250"/>
+                  </a:ext>
+                </a:extLst>
+              </a:tr>
+              <a:tr h="161925">
+                <a:tc>
+                  <a:txBody>
+                    <a:bodyPr/>
+                    <a:lstStyle/>
+                    <a:p>
+                      <a:pPr lvl="0" algn="l">
+                        <a:buNone/>
+                      </a:pPr>
+                      <a:r>
+                        <a:rPr lang="en-US" dirty="0"/>
+                        <a:t>ZOSMF027</a:t>
+                      </a:r>
+                    </a:p>
+                  </a:txBody>
+                  <a:tcPr anchor="ctr"/>
+                </a:tc>
+                <a:tc>
+                  <a:txBody>
+                    <a:bodyPr/>
+                    <a:lstStyle/>
+                    <a:p>
+                      <a:pPr lvl="0" algn="l">
+                        <a:buNone/>
+                      </a:pPr>
+                      <a:r>
+                        <a:rPr lang="en-US" sz="1800" b="0" i="0" u="none" strike="noStrike" noProof="0" dirty="0">
+                          <a:latin typeface="Arial"/>
+                        </a:rPr>
+                        <a:t>Mainframe Service Line Engineering</a:t>
+                      </a:r>
+                      <a:endParaRPr lang="en-US" dirty="0"/>
+                    </a:p>
+                  </a:txBody>
+                  <a:tcPr anchor="ctr"/>
+                </a:tc>
+                <a:tc>
+                  <a:txBody>
+                    <a:bodyPr/>
+                    <a:lstStyle/>
+                    <a:p>
+                      <a:pPr lvl="0" algn="l">
+                        <a:buNone/>
+                      </a:pPr>
+                      <a:r>
+                        <a:rPr lang="en-US" dirty="0"/>
+                        <a:t>Fix Unix permissions</a:t>
+                      </a:r>
+                    </a:p>
+                  </a:txBody>
+                  <a:tcPr anchor="ctr"/>
+                </a:tc>
+                <a:extLst>
+                  <a:ext uri="{0D108BD9-81ED-4DB2-BD59-A6C34878D82A}">
+                    <a16:rowId xmlns:a16="http://schemas.microsoft.com/office/drawing/2014/main" val="823077368"/>
                   </a:ext>
                 </a:extLst>
               </a:tr>
